--- a/docs/diagrams/StatisticParserActivityDiagram.pptx
+++ b/docs/diagrams/StatisticParserActivityDiagram.pptx
@@ -3349,10 +3349,10 @@
       </p:grpSpPr>
       <p:grpSp>
         <p:nvGrpSpPr>
-          <p:cNvPr id="132" name="Group 131">
-            <a:extLst>
-              <a:ext uri="{FF2B5EF4-FFF2-40B4-BE49-F238E27FC236}">
-                <a16:creationId xmlns:a16="http://schemas.microsoft.com/office/drawing/2014/main" id="{DE958A52-1930-4510-A09C-FBE6049E251C}"/>
+          <p:cNvPr id="2" name="Group 1">
+            <a:extLst>
+              <a:ext uri="{FF2B5EF4-FFF2-40B4-BE49-F238E27FC236}">
+                <a16:creationId xmlns:a16="http://schemas.microsoft.com/office/drawing/2014/main" id="{BACED47C-A7AE-4CAC-AAD2-8C6DC0CFF008}"/>
               </a:ext>
             </a:extLst>
           </p:cNvPr>
@@ -3361,10 +3361,10 @@
         </p:nvGrpSpPr>
         <p:grpSpPr>
           <a:xfrm>
-            <a:off x="1288296" y="-3044351"/>
-            <a:ext cx="7889676" cy="13827919"/>
-            <a:chOff x="815856" y="-3288191"/>
-            <a:chExt cx="7889676" cy="13827919"/>
+            <a:off x="1303830" y="-3093654"/>
+            <a:ext cx="7058535" cy="13045308"/>
+            <a:chOff x="1305920" y="-3151031"/>
+            <a:chExt cx="8008103" cy="14035481"/>
           </a:xfrm>
         </p:grpSpPr>
         <p:sp>
@@ -3381,8 +3381,8 @@
           </p:nvSpPr>
           <p:spPr>
             <a:xfrm>
-              <a:off x="815856" y="-2569536"/>
-              <a:ext cx="7889676" cy="12479771"/>
+              <a:off x="1305920" y="-2485812"/>
+              <a:ext cx="8008103" cy="12667097"/>
             </a:xfrm>
             <a:prstGeom prst="roundRect">
               <a:avLst/>
@@ -3412,7 +3412,7 @@
             <a:lstStyle/>
             <a:p>
               <a:pPr algn="ctr"/>
-              <a:endParaRPr lang="en-SG" dirty="0"/>
+              <a:endParaRPr lang="en-SG" sz="1200" dirty="0"/>
             </a:p>
           </p:txBody>
         </p:sp>
@@ -3430,8 +3430,8 @@
           </p:nvSpPr>
           <p:spPr>
             <a:xfrm>
-              <a:off x="4584848" y="-3288191"/>
-              <a:ext cx="175846" cy="175846"/>
+              <a:off x="5113862" y="-3151031"/>
+              <a:ext cx="178486" cy="178486"/>
             </a:xfrm>
             <a:prstGeom prst="ellipse">
               <a:avLst/>
@@ -3476,8 +3476,8 @@
           </p:nvSpPr>
           <p:spPr>
             <a:xfrm>
-              <a:off x="3485321" y="-2459174"/>
-              <a:ext cx="2374901" cy="579120"/>
+              <a:off x="3997831" y="-2309570"/>
+              <a:ext cx="2410549" cy="587813"/>
             </a:xfrm>
             <a:prstGeom prst="roundRect">
               <a:avLst/>
@@ -3553,8 +3553,8 @@
           </p:nvCxnSpPr>
           <p:spPr>
             <a:xfrm>
-              <a:off x="4672771" y="-3112345"/>
-              <a:ext cx="1" cy="653171"/>
+              <a:off x="5203105" y="-2972545"/>
+              <a:ext cx="1" cy="662975"/>
             </a:xfrm>
             <a:prstGeom prst="straightConnector1">
               <a:avLst/>
@@ -3592,8 +3592,8 @@
           </p:nvSpPr>
           <p:spPr>
             <a:xfrm>
-              <a:off x="3485319" y="-363712"/>
-              <a:ext cx="2374901" cy="579120"/>
+              <a:off x="3997829" y="-182655"/>
+              <a:ext cx="2410549" cy="587813"/>
             </a:xfrm>
             <a:prstGeom prst="roundRect">
               <a:avLst/>
@@ -3653,8 +3653,8 @@
           </p:nvSpPr>
           <p:spPr>
             <a:xfrm>
-              <a:off x="4485935" y="-1144287"/>
-              <a:ext cx="373671" cy="471054"/>
+              <a:off x="5013464" y="-974946"/>
+              <a:ext cx="379280" cy="478125"/>
             </a:xfrm>
             <a:prstGeom prst="diamond">
               <a:avLst/>
@@ -3703,8 +3703,8 @@
           </p:nvCxnSpPr>
           <p:spPr>
             <a:xfrm flipH="1">
-              <a:off x="4672771" y="-1880054"/>
-              <a:ext cx="1" cy="735767"/>
+              <a:off x="5203105" y="-1721757"/>
+              <a:ext cx="1" cy="746811"/>
             </a:xfrm>
             <a:prstGeom prst="straightConnector1">
               <a:avLst/>
@@ -3746,8 +3746,8 @@
           </p:nvCxnSpPr>
           <p:spPr>
             <a:xfrm>
-              <a:off x="4859606" y="-908760"/>
-              <a:ext cx="2293619" cy="0"/>
+              <a:off x="5392744" y="-735884"/>
+              <a:ext cx="2328047" cy="0"/>
             </a:xfrm>
             <a:prstGeom prst="straightConnector1">
               <a:avLst/>
@@ -3785,8 +3785,8 @@
           </p:nvSpPr>
           <p:spPr>
             <a:xfrm>
-              <a:off x="3485318" y="1355474"/>
-              <a:ext cx="2374901" cy="1122340"/>
+              <a:off x="3997827" y="1771639"/>
+              <a:ext cx="2410549" cy="1139187"/>
             </a:xfrm>
             <a:prstGeom prst="roundRect">
               <a:avLst/>
@@ -3846,8 +3846,8 @@
           </p:nvGrpSpPr>
           <p:grpSpPr>
             <a:xfrm>
-              <a:off x="7153225" y="-1008583"/>
-              <a:ext cx="199646" cy="199646"/>
+              <a:off x="7720791" y="-837205"/>
+              <a:ext cx="202643" cy="202643"/>
               <a:chOff x="5654040" y="2072640"/>
               <a:chExt cx="653171" cy="653171"/>
             </a:xfrm>
@@ -3960,8 +3960,8 @@
           </p:nvSpPr>
           <p:spPr>
             <a:xfrm>
-              <a:off x="4794574" y="-1308512"/>
-              <a:ext cx="2374901" cy="369332"/>
+              <a:off x="5392744" y="-1480986"/>
+              <a:ext cx="2410549" cy="369332"/>
             </a:xfrm>
             <a:prstGeom prst="rect">
               <a:avLst/>
@@ -3995,8 +3995,8 @@
           </p:nvSpPr>
           <p:spPr>
             <a:xfrm>
-              <a:off x="2484705" y="-1637204"/>
-              <a:ext cx="2374901" cy="646331"/>
+              <a:off x="2982195" y="-1475262"/>
+              <a:ext cx="2410549" cy="646331"/>
             </a:xfrm>
             <a:prstGeom prst="rect">
               <a:avLst/>
@@ -4030,8 +4030,8 @@
           </p:nvGrpSpPr>
           <p:grpSpPr>
             <a:xfrm>
-              <a:off x="1943019" y="-1002707"/>
-              <a:ext cx="199646" cy="199646"/>
+              <a:off x="2432378" y="-831241"/>
+              <a:ext cx="202643" cy="202643"/>
               <a:chOff x="5654040" y="2072640"/>
               <a:chExt cx="653171" cy="653171"/>
             </a:xfrm>
@@ -4148,8 +4148,8 @@
           </p:nvCxnSpPr>
           <p:spPr>
             <a:xfrm flipH="1">
-              <a:off x="2142665" y="-908760"/>
-              <a:ext cx="2343270" cy="5876"/>
+              <a:off x="2635021" y="-735884"/>
+              <a:ext cx="2378443" cy="5964"/>
             </a:xfrm>
             <a:prstGeom prst="straightConnector1">
               <a:avLst/>
@@ -4191,8 +4191,8 @@
           </p:nvCxnSpPr>
           <p:spPr>
             <a:xfrm flipH="1">
-              <a:off x="4672770" y="-673233"/>
-              <a:ext cx="1" cy="309521"/>
+              <a:off x="5203104" y="-496822"/>
+              <a:ext cx="1" cy="314167"/>
             </a:xfrm>
             <a:prstGeom prst="straightConnector1">
               <a:avLst/>
@@ -4230,8 +4230,8 @@
           </p:nvGrpSpPr>
           <p:grpSpPr>
             <a:xfrm>
-              <a:off x="7153225" y="828812"/>
-              <a:ext cx="199646" cy="199646"/>
+              <a:off x="7720791" y="1027770"/>
+              <a:ext cx="202643" cy="202643"/>
               <a:chOff x="5654040" y="2072640"/>
               <a:chExt cx="653171" cy="653171"/>
             </a:xfrm>
@@ -4344,8 +4344,8 @@
           </p:nvSpPr>
           <p:spPr>
             <a:xfrm>
-              <a:off x="4485935" y="693108"/>
-              <a:ext cx="373671" cy="471054"/>
+              <a:off x="5013464" y="890029"/>
+              <a:ext cx="379280" cy="478125"/>
             </a:xfrm>
             <a:prstGeom prst="diamond">
               <a:avLst/>
@@ -4394,8 +4394,8 @@
           </p:nvCxnSpPr>
           <p:spPr>
             <a:xfrm>
-              <a:off x="4859606" y="928635"/>
-              <a:ext cx="2293619" cy="0"/>
+              <a:off x="5392744" y="1129091"/>
+              <a:ext cx="2328047" cy="0"/>
             </a:xfrm>
             <a:prstGeom prst="straightConnector1">
               <a:avLst/>
@@ -4437,8 +4437,8 @@
           </p:nvCxnSpPr>
           <p:spPr>
             <a:xfrm>
-              <a:off x="4672770" y="215408"/>
-              <a:ext cx="1" cy="477700"/>
+              <a:off x="5203104" y="405158"/>
+              <a:ext cx="1" cy="484870"/>
             </a:xfrm>
             <a:prstGeom prst="straightConnector1">
               <a:avLst/>
@@ -4476,8 +4476,8 @@
           </p:nvSpPr>
           <p:spPr>
             <a:xfrm>
-              <a:off x="5106971" y="508442"/>
-              <a:ext cx="2374901" cy="369332"/>
+              <a:off x="5643822" y="702591"/>
+              <a:ext cx="2410549" cy="369332"/>
             </a:xfrm>
             <a:prstGeom prst="rect">
               <a:avLst/>
@@ -4511,8 +4511,8 @@
           </p:nvSpPr>
           <p:spPr>
             <a:xfrm>
-              <a:off x="4672769" y="-763352"/>
-              <a:ext cx="2374901" cy="369332"/>
+              <a:off x="5203103" y="-588293"/>
+              <a:ext cx="2410549" cy="369332"/>
             </a:xfrm>
             <a:prstGeom prst="rect">
               <a:avLst/>
@@ -4550,8 +4550,8 @@
           </p:nvCxnSpPr>
           <p:spPr>
             <a:xfrm flipH="1">
-              <a:off x="4672769" y="1164162"/>
-              <a:ext cx="2" cy="191312"/>
+              <a:off x="5203102" y="1368154"/>
+              <a:ext cx="3" cy="403485"/>
             </a:xfrm>
             <a:prstGeom prst="straightConnector1">
               <a:avLst/>
@@ -4589,8 +4589,8 @@
           </p:nvSpPr>
           <p:spPr>
             <a:xfrm>
-              <a:off x="4745822" y="995956"/>
-              <a:ext cx="2374901" cy="369332"/>
+              <a:off x="5310242" y="1262480"/>
+              <a:ext cx="2410549" cy="369332"/>
             </a:xfrm>
             <a:prstGeom prst="rect">
               <a:avLst/>
@@ -4624,8 +4624,8 @@
           </p:nvSpPr>
           <p:spPr>
             <a:xfrm>
-              <a:off x="4485935" y="2997830"/>
-              <a:ext cx="373671" cy="471054"/>
+              <a:off x="5013464" y="3229345"/>
+              <a:ext cx="379280" cy="478125"/>
             </a:xfrm>
             <a:prstGeom prst="diamond">
               <a:avLst/>
@@ -4674,8 +4674,8 @@
           </p:nvCxnSpPr>
           <p:spPr>
             <a:xfrm>
-              <a:off x="4672769" y="2477814"/>
-              <a:ext cx="2" cy="520016"/>
+              <a:off x="5203102" y="2910826"/>
+              <a:ext cx="3" cy="318519"/>
             </a:xfrm>
             <a:prstGeom prst="straightConnector1">
               <a:avLst/>
@@ -4713,8 +4713,8 @@
           </p:nvGrpSpPr>
           <p:grpSpPr>
             <a:xfrm>
-              <a:off x="7153225" y="3133534"/>
-              <a:ext cx="199646" cy="199646"/>
+              <a:off x="7720791" y="3367086"/>
+              <a:ext cx="202643" cy="202643"/>
               <a:chOff x="5654040" y="2072640"/>
               <a:chExt cx="653171" cy="653171"/>
             </a:xfrm>
@@ -4831,8 +4831,8 @@
           </p:nvCxnSpPr>
           <p:spPr>
             <a:xfrm>
-              <a:off x="4859606" y="3233357"/>
-              <a:ext cx="2293619" cy="0"/>
+              <a:off x="5392744" y="3468408"/>
+              <a:ext cx="2328047" cy="0"/>
             </a:xfrm>
             <a:prstGeom prst="straightConnector1">
               <a:avLst/>
@@ -4870,8 +4870,8 @@
           </p:nvSpPr>
           <p:spPr>
             <a:xfrm>
-              <a:off x="5106971" y="2813164"/>
-              <a:ext cx="2374901" cy="369332"/>
+              <a:off x="5643822" y="3041908"/>
+              <a:ext cx="2410549" cy="369332"/>
             </a:xfrm>
             <a:prstGeom prst="rect">
               <a:avLst/>
@@ -4905,8 +4905,8 @@
           </p:nvSpPr>
           <p:spPr>
             <a:xfrm>
-              <a:off x="3485318" y="3884536"/>
-              <a:ext cx="2374901" cy="1122340"/>
+              <a:off x="3997828" y="4129361"/>
+              <a:ext cx="2410549" cy="1139187"/>
             </a:xfrm>
             <a:prstGeom prst="roundRect">
               <a:avLst/>
@@ -4970,8 +4970,8 @@
           </p:nvCxnSpPr>
           <p:spPr>
             <a:xfrm flipH="1">
-              <a:off x="4672769" y="3468884"/>
-              <a:ext cx="2" cy="415652"/>
+              <a:off x="5203103" y="3707470"/>
+              <a:ext cx="2" cy="421891"/>
             </a:xfrm>
             <a:prstGeom prst="straightConnector1">
               <a:avLst/>
@@ -5009,8 +5009,8 @@
           </p:nvSpPr>
           <p:spPr>
             <a:xfrm>
-              <a:off x="4760694" y="3425141"/>
-              <a:ext cx="748641" cy="369332"/>
+              <a:off x="5276982" y="3684064"/>
+              <a:ext cx="794236" cy="397365"/>
             </a:xfrm>
             <a:prstGeom prst="rect">
               <a:avLst/>
@@ -5044,8 +5044,8 @@
           </p:nvSpPr>
           <p:spPr>
             <a:xfrm>
-              <a:off x="3485317" y="5610940"/>
-              <a:ext cx="2374901" cy="1122340"/>
+              <a:off x="3997827" y="5881679"/>
+              <a:ext cx="2410549" cy="1139187"/>
             </a:xfrm>
             <a:prstGeom prst="roundRect">
               <a:avLst/>
@@ -5109,8 +5109,8 @@
           </p:nvCxnSpPr>
           <p:spPr>
             <a:xfrm flipH="1">
-              <a:off x="4672768" y="5006876"/>
-              <a:ext cx="1" cy="604064"/>
+              <a:off x="5203102" y="5268548"/>
+              <a:ext cx="1" cy="613131"/>
             </a:xfrm>
             <a:prstGeom prst="straightConnector1">
               <a:avLst/>
@@ -5148,8 +5148,8 @@
           </p:nvSpPr>
           <p:spPr>
             <a:xfrm>
-              <a:off x="4485935" y="7360898"/>
-              <a:ext cx="373671" cy="471054"/>
+              <a:off x="5013464" y="7657905"/>
+              <a:ext cx="379280" cy="478125"/>
             </a:xfrm>
             <a:prstGeom prst="diamond">
               <a:avLst/>
@@ -5198,8 +5198,8 @@
           </p:nvCxnSpPr>
           <p:spPr>
             <a:xfrm>
-              <a:off x="4672768" y="6733280"/>
-              <a:ext cx="3" cy="627618"/>
+              <a:off x="5203102" y="7020866"/>
+              <a:ext cx="3" cy="637039"/>
             </a:xfrm>
             <a:prstGeom prst="straightConnector1">
               <a:avLst/>
@@ -5241,8 +5241,8 @@
           </p:nvCxnSpPr>
           <p:spPr>
             <a:xfrm>
-              <a:off x="4859606" y="7596425"/>
-              <a:ext cx="2293619" cy="0"/>
+              <a:off x="5392744" y="7896967"/>
+              <a:ext cx="2328047" cy="0"/>
             </a:xfrm>
             <a:prstGeom prst="straightConnector1">
               <a:avLst/>
@@ -5280,8 +5280,8 @@
           </p:nvGrpSpPr>
           <p:grpSpPr>
             <a:xfrm>
-              <a:off x="7153225" y="7496602"/>
-              <a:ext cx="199646" cy="199646"/>
+              <a:off x="7720791" y="7795646"/>
+              <a:ext cx="202643" cy="202643"/>
               <a:chOff x="5654040" y="2072640"/>
               <a:chExt cx="653171" cy="653171"/>
             </a:xfrm>
@@ -5394,8 +5394,8 @@
           </p:nvSpPr>
           <p:spPr>
             <a:xfrm>
-              <a:off x="4945468" y="7125999"/>
-              <a:ext cx="2374901" cy="369332"/>
+              <a:off x="5479895" y="7419480"/>
+              <a:ext cx="2410549" cy="369332"/>
             </a:xfrm>
             <a:prstGeom prst="rect">
               <a:avLst/>
@@ -5429,8 +5429,8 @@
           </p:nvSpPr>
           <p:spPr>
             <a:xfrm>
-              <a:off x="3485317" y="8506907"/>
-              <a:ext cx="2374901" cy="1122340"/>
+              <a:off x="4003376" y="8580332"/>
+              <a:ext cx="2410549" cy="1139187"/>
             </a:xfrm>
             <a:prstGeom prst="roundRect">
               <a:avLst/>
@@ -5506,9 +5506,9 @@
             <p:nvPr/>
           </p:nvCxnSpPr>
           <p:spPr>
-            <a:xfrm flipH="1">
-              <a:off x="4672768" y="7831952"/>
-              <a:ext cx="3" cy="674955"/>
+            <a:xfrm>
+              <a:off x="5203105" y="8136030"/>
+              <a:ext cx="5546" cy="444303"/>
             </a:xfrm>
             <a:prstGeom prst="straightConnector1">
               <a:avLst/>
@@ -5546,8 +5546,8 @@
           </p:nvSpPr>
           <p:spPr>
             <a:xfrm>
-              <a:off x="4794574" y="8005278"/>
-              <a:ext cx="748636" cy="369332"/>
+              <a:off x="5479894" y="8090879"/>
+              <a:ext cx="2133757" cy="397365"/>
             </a:xfrm>
             <a:prstGeom prst="rect">
               <a:avLst/>
@@ -5581,8 +5581,8 @@
           </p:nvGrpSpPr>
           <p:grpSpPr>
             <a:xfrm>
-              <a:off x="4578412" y="10340082"/>
-              <a:ext cx="199646" cy="199646"/>
+              <a:off x="5107329" y="10681807"/>
+              <a:ext cx="202643" cy="202643"/>
               <a:chOff x="5654040" y="2072640"/>
               <a:chExt cx="653171" cy="653171"/>
             </a:xfrm>
@@ -5699,8 +5699,8 @@
           </p:nvCxnSpPr>
           <p:spPr>
             <a:xfrm>
-              <a:off x="4672768" y="9629247"/>
-              <a:ext cx="5467" cy="710835"/>
+              <a:off x="5208651" y="9719520"/>
+              <a:ext cx="0" cy="962287"/>
             </a:xfrm>
             <a:prstGeom prst="straightConnector1">
               <a:avLst/>
@@ -5738,8 +5738,8 @@
           </p:nvSpPr>
           <p:spPr>
             <a:xfrm>
-              <a:off x="1108986" y="-2278010"/>
-              <a:ext cx="1867710" cy="646331"/>
+              <a:off x="1585826" y="-2125687"/>
+              <a:ext cx="1895745" cy="646331"/>
             </a:xfrm>
             <a:prstGeom prst="rect">
               <a:avLst/>

--- a/docs/diagrams/StatisticParserActivityDiagram.pptx
+++ b/docs/diagrams/StatisticParserActivityDiagram.pptx
@@ -3349,10 +3349,10 @@
       </p:grpSpPr>
       <p:grpSp>
         <p:nvGrpSpPr>
-          <p:cNvPr id="2" name="Group 1">
-            <a:extLst>
-              <a:ext uri="{FF2B5EF4-FFF2-40B4-BE49-F238E27FC236}">
-                <a16:creationId xmlns:a16="http://schemas.microsoft.com/office/drawing/2014/main" id="{BACED47C-A7AE-4CAC-AAD2-8C6DC0CFF008}"/>
+          <p:cNvPr id="18" name="Group 17">
+            <a:extLst>
+              <a:ext uri="{FF2B5EF4-FFF2-40B4-BE49-F238E27FC236}">
+                <a16:creationId xmlns:a16="http://schemas.microsoft.com/office/drawing/2014/main" id="{0EF019B3-273A-44EA-AC87-8F99B14908B1}"/>
               </a:ext>
             </a:extLst>
           </p:cNvPr>
@@ -3361,10 +3361,10 @@
         </p:nvGrpSpPr>
         <p:grpSpPr>
           <a:xfrm>
-            <a:off x="1303830" y="-3093654"/>
-            <a:ext cx="7058535" cy="13045308"/>
-            <a:chOff x="1305920" y="-3151031"/>
-            <a:chExt cx="8008103" cy="14035481"/>
+            <a:off x="1303831" y="-1981200"/>
+            <a:ext cx="6712410" cy="9631680"/>
+            <a:chOff x="1303830" y="-3093653"/>
+            <a:chExt cx="7058535" cy="10744133"/>
           </a:xfrm>
         </p:grpSpPr>
         <p:sp>
@@ -3381,8 +3381,8 @@
           </p:nvSpPr>
           <p:spPr>
             <a:xfrm>
-              <a:off x="1305920" y="-2485812"/>
-              <a:ext cx="8008103" cy="12667097"/>
+              <a:off x="1303830" y="-2584429"/>
+              <a:ext cx="7058535" cy="9696640"/>
             </a:xfrm>
             <a:prstGeom prst="roundRect">
               <a:avLst/>
@@ -3430,8 +3430,8 @@
           </p:nvSpPr>
           <p:spPr>
             <a:xfrm>
-              <a:off x="5113862" y="-3151031"/>
-              <a:ext cx="178486" cy="178486"/>
+              <a:off x="4660243" y="-3093653"/>
+              <a:ext cx="157322" cy="136631"/>
             </a:xfrm>
             <a:prstGeom prst="ellipse">
               <a:avLst/>
@@ -3458,7 +3458,7 @@
             <a:lstStyle/>
             <a:p>
               <a:pPr algn="ctr"/>
-              <a:endParaRPr lang="en-SG"/>
+              <a:endParaRPr lang="en-SG" sz="1200"/>
             </a:p>
           </p:txBody>
         </p:sp>
@@ -3476,8 +3476,8 @@
           </p:nvSpPr>
           <p:spPr>
             <a:xfrm>
-              <a:off x="3997831" y="-2309570"/>
-              <a:ext cx="2410549" cy="587813"/>
+              <a:off x="3676546" y="-2449517"/>
+              <a:ext cx="2124716" cy="449970"/>
             </a:xfrm>
             <a:prstGeom prst="roundRect">
               <a:avLst/>
@@ -3513,7 +3513,7 @@
             <a:p>
               <a:pPr algn="ctr"/>
               <a:r>
-                <a:rPr lang="en-SG" dirty="0">
+                <a:rPr lang="en-SG" sz="1200" dirty="0">
                   <a:solidFill>
                     <a:schemeClr val="tx1"/>
                   </a:solidFill>
@@ -3521,14 +3521,14 @@
                 <a:t>Tokenize string into </a:t>
               </a:r>
               <a:r>
-                <a:rPr lang="en-SG" dirty="0" err="1">
+                <a:rPr lang="en-SG" sz="1200" dirty="0" err="1">
                   <a:solidFill>
                     <a:schemeClr val="tx1"/>
                   </a:solidFill>
                 </a:rPr>
                 <a:t>ArgumentMultimap</a:t>
               </a:r>
-              <a:endParaRPr lang="en-SG" dirty="0">
+              <a:endParaRPr lang="en-SG" sz="1200" dirty="0">
                 <a:solidFill>
                   <a:schemeClr val="tx1"/>
                 </a:solidFill>
@@ -3553,8 +3553,8 @@
           </p:nvCxnSpPr>
           <p:spPr>
             <a:xfrm>
-              <a:off x="5203105" y="-2972545"/>
-              <a:ext cx="1" cy="662975"/>
+              <a:off x="4738904" y="-2957023"/>
+              <a:ext cx="1" cy="507506"/>
             </a:xfrm>
             <a:prstGeom prst="straightConnector1">
               <a:avLst/>
@@ -3592,8 +3592,8 @@
           </p:nvSpPr>
           <p:spPr>
             <a:xfrm>
-              <a:off x="3997829" y="-182655"/>
-              <a:ext cx="2410549" cy="587813"/>
+              <a:off x="3676544" y="-821367"/>
+              <a:ext cx="2124716" cy="449970"/>
             </a:xfrm>
             <a:prstGeom prst="roundRect">
               <a:avLst/>
@@ -3629,7 +3629,7 @@
             <a:p>
               <a:pPr algn="ctr"/>
               <a:r>
-                <a:rPr lang="en-SG" dirty="0">
+                <a:rPr lang="en-SG" sz="1200" dirty="0">
                   <a:solidFill>
                     <a:schemeClr val="tx1"/>
                   </a:solidFill>
@@ -3653,8 +3653,8 @@
           </p:nvSpPr>
           <p:spPr>
             <a:xfrm>
-              <a:off x="5013464" y="-974946"/>
-              <a:ext cx="379280" cy="478125"/>
+              <a:off x="4571750" y="-1427865"/>
+              <a:ext cx="334307" cy="366003"/>
             </a:xfrm>
             <a:prstGeom prst="diamond">
               <a:avLst/>
@@ -3681,7 +3681,7 @@
             <a:lstStyle/>
             <a:p>
               <a:pPr algn="ctr"/>
-              <a:endParaRPr lang="en-SG"/>
+              <a:endParaRPr lang="en-SG" sz="1200"/>
             </a:p>
           </p:txBody>
         </p:sp>
@@ -3703,8 +3703,8 @@
           </p:nvCxnSpPr>
           <p:spPr>
             <a:xfrm flipH="1">
-              <a:off x="5203105" y="-1721757"/>
-              <a:ext cx="1" cy="746811"/>
+              <a:off x="4738903" y="-1999548"/>
+              <a:ext cx="1" cy="571683"/>
             </a:xfrm>
             <a:prstGeom prst="straightConnector1">
               <a:avLst/>
@@ -3746,8 +3746,8 @@
           </p:nvCxnSpPr>
           <p:spPr>
             <a:xfrm>
-              <a:off x="5392744" y="-735884"/>
-              <a:ext cx="2328047" cy="0"/>
+              <a:off x="4906055" y="-1244863"/>
+              <a:ext cx="2051997" cy="0"/>
             </a:xfrm>
             <a:prstGeom prst="straightConnector1">
               <a:avLst/>
@@ -3785,8 +3785,8 @@
           </p:nvSpPr>
           <p:spPr>
             <a:xfrm>
-              <a:off x="3997827" y="1771639"/>
-              <a:ext cx="2410549" cy="1139187"/>
+              <a:off x="3676542" y="674641"/>
+              <a:ext cx="2124716" cy="872046"/>
             </a:xfrm>
             <a:prstGeom prst="roundRect">
               <a:avLst/>
@@ -3822,7 +3822,7 @@
             <a:p>
               <a:pPr algn="ctr"/>
               <a:r>
-                <a:rPr lang="en-SG" dirty="0">
+                <a:rPr lang="en-SG" sz="1200" dirty="0">
                   <a:solidFill>
                     <a:schemeClr val="tx1"/>
                   </a:solidFill>
@@ -3846,8 +3846,8 @@
           </p:nvGrpSpPr>
           <p:grpSpPr>
             <a:xfrm>
-              <a:off x="7720791" y="-837205"/>
-              <a:ext cx="202643" cy="202643"/>
+              <a:off x="6958053" y="-1322424"/>
+              <a:ext cx="178614" cy="155123"/>
               <a:chOff x="5654040" y="2072640"/>
               <a:chExt cx="653171" cy="653171"/>
             </a:xfrm>
@@ -3895,7 +3895,7 @@
               <a:lstStyle/>
               <a:p>
                 <a:pPr algn="ctr"/>
-                <a:endParaRPr lang="en-SG"/>
+                <a:endParaRPr lang="en-SG" sz="1200"/>
               </a:p>
             </p:txBody>
           </p:sp>
@@ -3941,7 +3941,7 @@
               <a:lstStyle/>
               <a:p>
                 <a:pPr algn="ctr"/>
-                <a:endParaRPr lang="en-SG"/>
+                <a:endParaRPr lang="en-SG" sz="1200"/>
               </a:p>
             </p:txBody>
           </p:sp>
@@ -3960,8 +3960,8 @@
           </p:nvSpPr>
           <p:spPr>
             <a:xfrm>
-              <a:off x="5392744" y="-1480986"/>
-              <a:ext cx="2410549" cy="369332"/>
+              <a:off x="4922641" y="-1619535"/>
+              <a:ext cx="2124716" cy="276999"/>
             </a:xfrm>
             <a:prstGeom prst="rect">
               <a:avLst/>
@@ -3975,7 +3975,7 @@
             <a:lstStyle/>
             <a:p>
               <a:r>
-                <a:rPr lang="en-SG" dirty="0"/>
+                <a:rPr lang="en-SG" sz="1200" dirty="0"/>
                 <a:t>[Non-empty preamble]</a:t>
               </a:r>
             </a:p>
@@ -3995,8 +3995,8 @@
           </p:nvSpPr>
           <p:spPr>
             <a:xfrm>
-              <a:off x="2982195" y="-1475262"/>
-              <a:ext cx="2410549" cy="646331"/>
+              <a:off x="2585109" y="-1566578"/>
+              <a:ext cx="2124716" cy="276999"/>
             </a:xfrm>
             <a:prstGeom prst="rect">
               <a:avLst/>
@@ -4010,7 +4010,7 @@
             <a:lstStyle/>
             <a:p>
               <a:r>
-                <a:rPr lang="en-SG" dirty="0"/>
+                <a:rPr lang="en-SG" sz="1200" dirty="0"/>
                 <a:t>[Date prefix (“d/”) missing]</a:t>
               </a:r>
             </a:p>
@@ -4030,8 +4030,8 @@
           </p:nvGrpSpPr>
           <p:grpSpPr>
             <a:xfrm>
-              <a:off x="2432378" y="-831241"/>
-              <a:ext cx="202643" cy="202643"/>
+              <a:off x="2296717" y="-1317859"/>
+              <a:ext cx="178614" cy="155123"/>
               <a:chOff x="5654040" y="2072640"/>
               <a:chExt cx="653171" cy="653171"/>
             </a:xfrm>
@@ -4079,7 +4079,7 @@
               <a:lstStyle/>
               <a:p>
                 <a:pPr algn="ctr"/>
-                <a:endParaRPr lang="en-SG"/>
+                <a:endParaRPr lang="en-SG" sz="1200"/>
               </a:p>
             </p:txBody>
           </p:sp>
@@ -4125,7 +4125,7 @@
               <a:lstStyle/>
               <a:p>
                 <a:pPr algn="ctr"/>
-                <a:endParaRPr lang="en-SG"/>
+                <a:endParaRPr lang="en-SG" sz="1200"/>
               </a:p>
             </p:txBody>
           </p:sp>
@@ -4148,8 +4148,8 @@
           </p:nvCxnSpPr>
           <p:spPr>
             <a:xfrm flipH="1">
-              <a:off x="2635021" y="-735884"/>
-              <a:ext cx="2378443" cy="5964"/>
+              <a:off x="2475332" y="-1244863"/>
+              <a:ext cx="2096417" cy="4565"/>
             </a:xfrm>
             <a:prstGeom prst="straightConnector1">
               <a:avLst/>
@@ -4191,8 +4191,8 @@
           </p:nvCxnSpPr>
           <p:spPr>
             <a:xfrm flipH="1">
-              <a:off x="5203104" y="-496822"/>
-              <a:ext cx="1" cy="314167"/>
+              <a:off x="4738902" y="-1061862"/>
+              <a:ext cx="1" cy="240494"/>
             </a:xfrm>
             <a:prstGeom prst="straightConnector1">
               <a:avLst/>
@@ -4230,8 +4230,8 @@
           </p:nvGrpSpPr>
           <p:grpSpPr>
             <a:xfrm>
-              <a:off x="7720791" y="1027770"/>
-              <a:ext cx="202643" cy="202643"/>
+              <a:off x="6958053" y="105210"/>
+              <a:ext cx="178614" cy="155123"/>
               <a:chOff x="5654040" y="2072640"/>
               <a:chExt cx="653171" cy="653171"/>
             </a:xfrm>
@@ -4279,7 +4279,7 @@
               <a:lstStyle/>
               <a:p>
                 <a:pPr algn="ctr"/>
-                <a:endParaRPr lang="en-SG"/>
+                <a:endParaRPr lang="en-SG" sz="1200"/>
               </a:p>
             </p:txBody>
           </p:sp>
@@ -4325,7 +4325,7 @@
               <a:lstStyle/>
               <a:p>
                 <a:pPr algn="ctr"/>
-                <a:endParaRPr lang="en-SG"/>
+                <a:endParaRPr lang="en-SG" sz="1200"/>
               </a:p>
             </p:txBody>
           </p:sp>
@@ -4344,8 +4344,8 @@
           </p:nvSpPr>
           <p:spPr>
             <a:xfrm>
-              <a:off x="5013464" y="890029"/>
-              <a:ext cx="379280" cy="478125"/>
+              <a:off x="4571750" y="-230"/>
+              <a:ext cx="334307" cy="366003"/>
             </a:xfrm>
             <a:prstGeom prst="diamond">
               <a:avLst/>
@@ -4372,7 +4372,7 @@
             <a:lstStyle/>
             <a:p>
               <a:pPr algn="ctr"/>
-              <a:endParaRPr lang="en-SG"/>
+              <a:endParaRPr lang="en-SG" sz="1200"/>
             </a:p>
           </p:txBody>
         </p:sp>
@@ -4394,8 +4394,8 @@
           </p:nvCxnSpPr>
           <p:spPr>
             <a:xfrm>
-              <a:off x="5392744" y="1129091"/>
-              <a:ext cx="2328047" cy="0"/>
+              <a:off x="4906055" y="182772"/>
+              <a:ext cx="2051997" cy="0"/>
             </a:xfrm>
             <a:prstGeom prst="straightConnector1">
               <a:avLst/>
@@ -4437,8 +4437,8 @@
           </p:nvCxnSpPr>
           <p:spPr>
             <a:xfrm>
-              <a:off x="5203104" y="405158"/>
-              <a:ext cx="1" cy="484870"/>
+              <a:off x="4738903" y="-371398"/>
+              <a:ext cx="1" cy="371166"/>
             </a:xfrm>
             <a:prstGeom prst="straightConnector1">
               <a:avLst/>
@@ -4476,8 +4476,8 @@
           </p:nvSpPr>
           <p:spPr>
             <a:xfrm>
-              <a:off x="5643822" y="702591"/>
-              <a:ext cx="2410549" cy="369332"/>
+              <a:off x="5127362" y="-143713"/>
+              <a:ext cx="2124716" cy="276999"/>
             </a:xfrm>
             <a:prstGeom prst="rect">
               <a:avLst/>
@@ -4491,7 +4491,7 @@
             <a:lstStyle/>
             <a:p>
               <a:r>
-                <a:rPr lang="en-SG" dirty="0"/>
+                <a:rPr lang="en-SG" sz="1200" dirty="0"/>
                 <a:t>[No arguments]</a:t>
               </a:r>
             </a:p>
@@ -4511,8 +4511,8 @@
           </p:nvSpPr>
           <p:spPr>
             <a:xfrm>
-              <a:off x="5203103" y="-588293"/>
-              <a:ext cx="2410549" cy="369332"/>
+              <a:off x="4738902" y="-1131883"/>
+              <a:ext cx="2124716" cy="276999"/>
             </a:xfrm>
             <a:prstGeom prst="rect">
               <a:avLst/>
@@ -4526,7 +4526,7 @@
             <a:lstStyle/>
             <a:p>
               <a:r>
-                <a:rPr lang="en-SG" dirty="0"/>
+                <a:rPr lang="en-SG" sz="1200" dirty="0"/>
                 <a:t>[else]</a:t>
               </a:r>
             </a:p>
@@ -4550,8 +4550,8 @@
           </p:nvCxnSpPr>
           <p:spPr>
             <a:xfrm flipH="1">
-              <a:off x="5203102" y="1368154"/>
-              <a:ext cx="3" cy="403485"/>
+              <a:off x="4738901" y="365774"/>
+              <a:ext cx="3" cy="308867"/>
             </a:xfrm>
             <a:prstGeom prst="straightConnector1">
               <a:avLst/>
@@ -4589,8 +4589,8 @@
           </p:nvSpPr>
           <p:spPr>
             <a:xfrm>
-              <a:off x="5310242" y="1262480"/>
-              <a:ext cx="2410549" cy="369332"/>
+              <a:off x="4833337" y="284881"/>
+              <a:ext cx="2124716" cy="276999"/>
             </a:xfrm>
             <a:prstGeom prst="rect">
               <a:avLst/>
@@ -4604,7 +4604,7 @@
             <a:lstStyle/>
             <a:p>
               <a:r>
-                <a:rPr lang="en-SG" dirty="0"/>
+                <a:rPr lang="en-SG" sz="1200" dirty="0"/>
                 <a:t>[else]</a:t>
               </a:r>
             </a:p>
@@ -4624,8 +4624,8 @@
           </p:nvSpPr>
           <p:spPr>
             <a:xfrm>
-              <a:off x="5013464" y="3229345"/>
-              <a:ext cx="379280" cy="478125"/>
+              <a:off x="4571750" y="1790512"/>
+              <a:ext cx="334307" cy="366003"/>
             </a:xfrm>
             <a:prstGeom prst="diamond">
               <a:avLst/>
@@ -4652,7 +4652,7 @@
             <a:lstStyle/>
             <a:p>
               <a:pPr algn="ctr"/>
-              <a:endParaRPr lang="en-SG"/>
+              <a:endParaRPr lang="en-SG" sz="1200"/>
             </a:p>
           </p:txBody>
         </p:sp>
@@ -4674,8 +4674,8 @@
           </p:nvCxnSpPr>
           <p:spPr>
             <a:xfrm>
-              <a:off x="5203102" y="2910826"/>
-              <a:ext cx="3" cy="318519"/>
+              <a:off x="4738901" y="1546687"/>
+              <a:ext cx="3" cy="243826"/>
             </a:xfrm>
             <a:prstGeom prst="straightConnector1">
               <a:avLst/>
@@ -4713,8 +4713,8 @@
           </p:nvGrpSpPr>
           <p:grpSpPr>
             <a:xfrm>
-              <a:off x="7720791" y="3367086"/>
-              <a:ext cx="202643" cy="202643"/>
+              <a:off x="6958053" y="1895953"/>
+              <a:ext cx="178614" cy="155123"/>
               <a:chOff x="5654040" y="2072640"/>
               <a:chExt cx="653171" cy="653171"/>
             </a:xfrm>
@@ -4762,7 +4762,7 @@
               <a:lstStyle/>
               <a:p>
                 <a:pPr algn="ctr"/>
-                <a:endParaRPr lang="en-SG"/>
+                <a:endParaRPr lang="en-SG" sz="1200"/>
               </a:p>
             </p:txBody>
           </p:sp>
@@ -4808,7 +4808,7 @@
               <a:lstStyle/>
               <a:p>
                 <a:pPr algn="ctr"/>
-                <a:endParaRPr lang="en-SG"/>
+                <a:endParaRPr lang="en-SG" sz="1200"/>
               </a:p>
             </p:txBody>
           </p:sp>
@@ -4831,8 +4831,8 @@
           </p:nvCxnSpPr>
           <p:spPr>
             <a:xfrm>
-              <a:off x="5392744" y="3468408"/>
-              <a:ext cx="2328047" cy="0"/>
+              <a:off x="4906055" y="1973515"/>
+              <a:ext cx="2051997" cy="0"/>
             </a:xfrm>
             <a:prstGeom prst="straightConnector1">
               <a:avLst/>
@@ -4870,8 +4870,8 @@
           </p:nvSpPr>
           <p:spPr>
             <a:xfrm>
-              <a:off x="5643822" y="3041908"/>
-              <a:ext cx="2410549" cy="369332"/>
+              <a:off x="5127362" y="1647030"/>
+              <a:ext cx="2124716" cy="276999"/>
             </a:xfrm>
             <a:prstGeom prst="rect">
               <a:avLst/>
@@ -4885,7 +4885,7 @@
             <a:lstStyle/>
             <a:p>
               <a:r>
-                <a:rPr lang="en-SG" dirty="0"/>
+                <a:rPr lang="en-SG" sz="1200" dirty="0"/>
                 <a:t>[array size is not 2]</a:t>
               </a:r>
             </a:p>
@@ -4905,8 +4905,8 @@
           </p:nvSpPr>
           <p:spPr>
             <a:xfrm>
-              <a:off x="3997828" y="4129361"/>
-              <a:ext cx="2410549" cy="1139187"/>
+              <a:off x="3676543" y="2479472"/>
+              <a:ext cx="2124716" cy="872046"/>
             </a:xfrm>
             <a:prstGeom prst="roundRect">
               <a:avLst/>
@@ -4942,7 +4942,7 @@
             <a:p>
               <a:pPr algn="ctr"/>
               <a:r>
-                <a:rPr lang="en-SG" dirty="0">
+                <a:rPr lang="en-SG" sz="1200" dirty="0">
                   <a:solidFill>
                     <a:schemeClr val="tx1"/>
                   </a:solidFill>
@@ -4970,8 +4970,8 @@
           </p:nvCxnSpPr>
           <p:spPr>
             <a:xfrm flipH="1">
-              <a:off x="5203103" y="3707470"/>
-              <a:ext cx="2" cy="421891"/>
+              <a:off x="4738902" y="2156516"/>
+              <a:ext cx="2" cy="322956"/>
             </a:xfrm>
             <a:prstGeom prst="straightConnector1">
               <a:avLst/>
@@ -5009,8 +5009,8 @@
           </p:nvSpPr>
           <p:spPr>
             <a:xfrm>
-              <a:off x="5276982" y="3684064"/>
-              <a:ext cx="794236" cy="397365"/>
+              <a:off x="4804021" y="2138598"/>
+              <a:ext cx="700059" cy="276999"/>
             </a:xfrm>
             <a:prstGeom prst="rect">
               <a:avLst/>
@@ -5024,7 +5024,7 @@
             <a:lstStyle/>
             <a:p>
               <a:r>
-                <a:rPr lang="en-SG" dirty="0"/>
+                <a:rPr lang="en-SG" sz="1200" dirty="0"/>
                 <a:t>[else]</a:t>
               </a:r>
             </a:p>
@@ -5044,8 +5044,8 @@
           </p:nvSpPr>
           <p:spPr>
             <a:xfrm>
-              <a:off x="3997827" y="5881679"/>
-              <a:ext cx="2410549" cy="1139187"/>
+              <a:off x="3676542" y="3820868"/>
+              <a:ext cx="2124716" cy="872046"/>
             </a:xfrm>
             <a:prstGeom prst="roundRect">
               <a:avLst/>
@@ -5081,7 +5081,7 @@
             <a:p>
               <a:pPr algn="ctr"/>
               <a:r>
-                <a:rPr lang="en-SG" dirty="0">
+                <a:rPr lang="en-SG" sz="1200" dirty="0">
                   <a:solidFill>
                     <a:schemeClr val="tx1"/>
                   </a:solidFill>
@@ -5109,8 +5109,8 @@
           </p:nvCxnSpPr>
           <p:spPr>
             <a:xfrm flipH="1">
-              <a:off x="5203102" y="5268548"/>
-              <a:ext cx="1" cy="613131"/>
+              <a:off x="4738901" y="3351518"/>
+              <a:ext cx="1" cy="469351"/>
             </a:xfrm>
             <a:prstGeom prst="straightConnector1">
               <a:avLst/>
@@ -5148,8 +5148,8 @@
           </p:nvSpPr>
           <p:spPr>
             <a:xfrm>
-              <a:off x="5013464" y="7657905"/>
-              <a:ext cx="379280" cy="478125"/>
+              <a:off x="4571750" y="5180566"/>
+              <a:ext cx="334307" cy="366003"/>
             </a:xfrm>
             <a:prstGeom prst="diamond">
               <a:avLst/>
@@ -5176,7 +5176,7 @@
             <a:lstStyle/>
             <a:p>
               <a:pPr algn="ctr"/>
-              <a:endParaRPr lang="en-SG"/>
+              <a:endParaRPr lang="en-SG" sz="1200"/>
             </a:p>
           </p:txBody>
         </p:sp>
@@ -5198,8 +5198,8 @@
           </p:nvCxnSpPr>
           <p:spPr>
             <a:xfrm>
-              <a:off x="5203102" y="7020866"/>
-              <a:ext cx="3" cy="637039"/>
+              <a:off x="4738901" y="4692914"/>
+              <a:ext cx="3" cy="487652"/>
             </a:xfrm>
             <a:prstGeom prst="straightConnector1">
               <a:avLst/>
@@ -5241,8 +5241,8 @@
           </p:nvCxnSpPr>
           <p:spPr>
             <a:xfrm>
-              <a:off x="5392744" y="7896967"/>
-              <a:ext cx="2328047" cy="0"/>
+              <a:off x="4906056" y="5363568"/>
+              <a:ext cx="2051997" cy="0"/>
             </a:xfrm>
             <a:prstGeom prst="straightConnector1">
               <a:avLst/>
@@ -5280,8 +5280,8 @@
           </p:nvGrpSpPr>
           <p:grpSpPr>
             <a:xfrm>
-              <a:off x="7720791" y="7795646"/>
-              <a:ext cx="202643" cy="202643"/>
+              <a:off x="6958052" y="5286007"/>
+              <a:ext cx="178614" cy="155123"/>
               <a:chOff x="5654040" y="2072640"/>
               <a:chExt cx="653171" cy="653171"/>
             </a:xfrm>
@@ -5329,7 +5329,7 @@
               <a:lstStyle/>
               <a:p>
                 <a:pPr algn="ctr"/>
-                <a:endParaRPr lang="en-SG"/>
+                <a:endParaRPr lang="en-SG" sz="1200"/>
               </a:p>
             </p:txBody>
           </p:sp>
@@ -5375,7 +5375,7 @@
               <a:lstStyle/>
               <a:p>
                 <a:pPr algn="ctr"/>
-                <a:endParaRPr lang="en-SG"/>
+                <a:endParaRPr lang="en-SG" sz="1200"/>
               </a:p>
             </p:txBody>
           </p:sp>
@@ -5394,8 +5394,8 @@
           </p:nvSpPr>
           <p:spPr>
             <a:xfrm>
-              <a:off x="5479895" y="7419480"/>
-              <a:ext cx="2410549" cy="369332"/>
+              <a:off x="4982873" y="4998053"/>
+              <a:ext cx="2124716" cy="276999"/>
             </a:xfrm>
             <a:prstGeom prst="rect">
               <a:avLst/>
@@ -5409,7 +5409,7 @@
             <a:lstStyle/>
             <a:p>
               <a:r>
-                <a:rPr lang="en-SG" dirty="0"/>
+                <a:rPr lang="en-SG" sz="1200" dirty="0"/>
                 <a:t>[not valid]</a:t>
               </a:r>
             </a:p>
@@ -5429,8 +5429,8 @@
           </p:nvSpPr>
           <p:spPr>
             <a:xfrm>
-              <a:off x="4003376" y="8580332"/>
-              <a:ext cx="2410549" cy="1139187"/>
+              <a:off x="3681433" y="5886683"/>
+              <a:ext cx="2124716" cy="872046"/>
             </a:xfrm>
             <a:prstGeom prst="roundRect">
               <a:avLst/>
@@ -5466,7 +5466,7 @@
             <a:p>
               <a:pPr algn="ctr"/>
               <a:r>
-                <a:rPr lang="en-SG" dirty="0">
+                <a:rPr lang="en-SG" sz="1200" dirty="0">
                   <a:solidFill>
                     <a:schemeClr val="tx1"/>
                   </a:solidFill>
@@ -5474,14 +5474,14 @@
                 <a:t>Construct new </a:t>
               </a:r>
               <a:r>
-                <a:rPr lang="en-SG" dirty="0" err="1">
+                <a:rPr lang="en-SG" sz="1200" dirty="0" err="1">
                   <a:solidFill>
                     <a:schemeClr val="tx1"/>
                   </a:solidFill>
                 </a:rPr>
                 <a:t>StatisticCommand</a:t>
               </a:r>
-              <a:endParaRPr lang="en-SG" dirty="0">
+              <a:endParaRPr lang="en-SG" sz="1200" dirty="0">
                 <a:solidFill>
                   <a:schemeClr val="tx1"/>
                 </a:solidFill>
@@ -5507,8 +5507,8 @@
           </p:nvCxnSpPr>
           <p:spPr>
             <a:xfrm>
-              <a:off x="5203105" y="8136030"/>
-              <a:ext cx="5546" cy="444303"/>
+              <a:off x="4738904" y="5546571"/>
+              <a:ext cx="4888" cy="340112"/>
             </a:xfrm>
             <a:prstGeom prst="straightConnector1">
               <a:avLst/>
@@ -5546,8 +5546,8 @@
           </p:nvSpPr>
           <p:spPr>
             <a:xfrm>
-              <a:off x="5479894" y="8090879"/>
-              <a:ext cx="2133757" cy="397365"/>
+              <a:off x="4982870" y="5512007"/>
+              <a:ext cx="1880745" cy="276999"/>
             </a:xfrm>
             <a:prstGeom prst="rect">
               <a:avLst/>
@@ -5561,7 +5561,7 @@
             <a:lstStyle/>
             <a:p>
               <a:r>
-                <a:rPr lang="en-SG" dirty="0"/>
+                <a:rPr lang="en-SG" sz="1200" dirty="0"/>
                 <a:t>[else]</a:t>
               </a:r>
             </a:p>
@@ -5581,8 +5581,8 @@
           </p:nvGrpSpPr>
           <p:grpSpPr>
             <a:xfrm>
-              <a:off x="5107329" y="10681807"/>
-              <a:ext cx="202643" cy="202643"/>
+              <a:off x="4654484" y="7495357"/>
+              <a:ext cx="178614" cy="155123"/>
               <a:chOff x="5654040" y="2072640"/>
               <a:chExt cx="653171" cy="653171"/>
             </a:xfrm>
@@ -5630,7 +5630,7 @@
               <a:lstStyle/>
               <a:p>
                 <a:pPr algn="ctr"/>
-                <a:endParaRPr lang="en-SG"/>
+                <a:endParaRPr lang="en-SG" sz="1200"/>
               </a:p>
             </p:txBody>
           </p:sp>
@@ -5676,7 +5676,7 @@
               <a:lstStyle/>
               <a:p>
                 <a:pPr algn="ctr"/>
-                <a:endParaRPr lang="en-SG"/>
+                <a:endParaRPr lang="en-SG" sz="1200"/>
               </a:p>
             </p:txBody>
           </p:sp>
@@ -5699,8 +5699,8 @@
           </p:nvCxnSpPr>
           <p:spPr>
             <a:xfrm>
-              <a:off x="5208651" y="9719520"/>
-              <a:ext cx="0" cy="962287"/>
+              <a:off x="4743792" y="6758729"/>
+              <a:ext cx="0" cy="736629"/>
             </a:xfrm>
             <a:prstGeom prst="straightConnector1">
               <a:avLst/>
@@ -5738,8 +5738,8 @@
           </p:nvSpPr>
           <p:spPr>
             <a:xfrm>
-              <a:off x="1585826" y="-2125687"/>
-              <a:ext cx="1895745" cy="646331"/>
+              <a:off x="1550546" y="-2308756"/>
+              <a:ext cx="1794629" cy="276999"/>
             </a:xfrm>
             <a:prstGeom prst="rect">
               <a:avLst/>
@@ -5753,10 +5753,10 @@
             <a:lstStyle/>
             <a:p>
               <a:r>
-                <a:rPr lang="en-SG" b="1" dirty="0" err="1"/>
+                <a:rPr lang="en-SG" sz="1200" b="1" dirty="0" err="1"/>
                 <a:t>StatisicCommandParser</a:t>
               </a:r>
-              <a:endParaRPr lang="en-SG" b="1" dirty="0"/>
+              <a:endParaRPr lang="en-SG" sz="1200" b="1" dirty="0"/>
             </a:p>
           </p:txBody>
         </p:sp>

--- a/docs/diagrams/StatisticParserActivityDiagram.pptx
+++ b/docs/diagrams/StatisticParserActivityDiagram.pptx
@@ -261,7 +261,7 @@
           <a:p>
             <a:fld id="{542F47FF-5056-41FF-A1F8-23A414798AA4}" type="datetimeFigureOut">
               <a:rPr lang="en-SG" smtClean="0"/>
-              <a:t>4/11/2018</a:t>
+              <a:t>11/11/2018</a:t>
             </a:fld>
             <a:endParaRPr lang="en-SG"/>
           </a:p>
@@ -461,7 +461,7 @@
           <a:p>
             <a:fld id="{542F47FF-5056-41FF-A1F8-23A414798AA4}" type="datetimeFigureOut">
               <a:rPr lang="en-SG" smtClean="0"/>
-              <a:t>4/11/2018</a:t>
+              <a:t>11/11/2018</a:t>
             </a:fld>
             <a:endParaRPr lang="en-SG"/>
           </a:p>
@@ -671,7 +671,7 @@
           <a:p>
             <a:fld id="{542F47FF-5056-41FF-A1F8-23A414798AA4}" type="datetimeFigureOut">
               <a:rPr lang="en-SG" smtClean="0"/>
-              <a:t>4/11/2018</a:t>
+              <a:t>11/11/2018</a:t>
             </a:fld>
             <a:endParaRPr lang="en-SG"/>
           </a:p>
@@ -871,7 +871,7 @@
           <a:p>
             <a:fld id="{542F47FF-5056-41FF-A1F8-23A414798AA4}" type="datetimeFigureOut">
               <a:rPr lang="en-SG" smtClean="0"/>
-              <a:t>4/11/2018</a:t>
+              <a:t>11/11/2018</a:t>
             </a:fld>
             <a:endParaRPr lang="en-SG"/>
           </a:p>
@@ -1147,7 +1147,7 @@
           <a:p>
             <a:fld id="{542F47FF-5056-41FF-A1F8-23A414798AA4}" type="datetimeFigureOut">
               <a:rPr lang="en-SG" smtClean="0"/>
-              <a:t>4/11/2018</a:t>
+              <a:t>11/11/2018</a:t>
             </a:fld>
             <a:endParaRPr lang="en-SG"/>
           </a:p>
@@ -1415,7 +1415,7 @@
           <a:p>
             <a:fld id="{542F47FF-5056-41FF-A1F8-23A414798AA4}" type="datetimeFigureOut">
               <a:rPr lang="en-SG" smtClean="0"/>
-              <a:t>4/11/2018</a:t>
+              <a:t>11/11/2018</a:t>
             </a:fld>
             <a:endParaRPr lang="en-SG"/>
           </a:p>
@@ -1830,7 +1830,7 @@
           <a:p>
             <a:fld id="{542F47FF-5056-41FF-A1F8-23A414798AA4}" type="datetimeFigureOut">
               <a:rPr lang="en-SG" smtClean="0"/>
-              <a:t>4/11/2018</a:t>
+              <a:t>11/11/2018</a:t>
             </a:fld>
             <a:endParaRPr lang="en-SG"/>
           </a:p>
@@ -1972,7 +1972,7 @@
           <a:p>
             <a:fld id="{542F47FF-5056-41FF-A1F8-23A414798AA4}" type="datetimeFigureOut">
               <a:rPr lang="en-SG" smtClean="0"/>
-              <a:t>4/11/2018</a:t>
+              <a:t>11/11/2018</a:t>
             </a:fld>
             <a:endParaRPr lang="en-SG"/>
           </a:p>
@@ -2085,7 +2085,7 @@
           <a:p>
             <a:fld id="{542F47FF-5056-41FF-A1F8-23A414798AA4}" type="datetimeFigureOut">
               <a:rPr lang="en-SG" smtClean="0"/>
-              <a:t>4/11/2018</a:t>
+              <a:t>11/11/2018</a:t>
             </a:fld>
             <a:endParaRPr lang="en-SG"/>
           </a:p>
@@ -2398,7 +2398,7 @@
           <a:p>
             <a:fld id="{542F47FF-5056-41FF-A1F8-23A414798AA4}" type="datetimeFigureOut">
               <a:rPr lang="en-SG" smtClean="0"/>
-              <a:t>4/11/2018</a:t>
+              <a:t>11/11/2018</a:t>
             </a:fld>
             <a:endParaRPr lang="en-SG"/>
           </a:p>
@@ -2687,7 +2687,7 @@
           <a:p>
             <a:fld id="{542F47FF-5056-41FF-A1F8-23A414798AA4}" type="datetimeFigureOut">
               <a:rPr lang="en-SG" smtClean="0"/>
-              <a:t>4/11/2018</a:t>
+              <a:t>11/11/2018</a:t>
             </a:fld>
             <a:endParaRPr lang="en-SG"/>
           </a:p>
@@ -2930,7 +2930,7 @@
           <a:p>
             <a:fld id="{542F47FF-5056-41FF-A1F8-23A414798AA4}" type="datetimeFigureOut">
               <a:rPr lang="en-SG" smtClean="0"/>
-              <a:t>4/11/2018</a:t>
+              <a:t>11/11/2018</a:t>
             </a:fld>
             <a:endParaRPr lang="en-SG"/>
           </a:p>
@@ -3349,10 +3349,10 @@
       </p:grpSpPr>
       <p:grpSp>
         <p:nvGrpSpPr>
-          <p:cNvPr id="18" name="Group 17">
-            <a:extLst>
-              <a:ext uri="{FF2B5EF4-FFF2-40B4-BE49-F238E27FC236}">
-                <a16:creationId xmlns:a16="http://schemas.microsoft.com/office/drawing/2014/main" id="{0EF019B3-273A-44EA-AC87-8F99B14908B1}"/>
+          <p:cNvPr id="179" name="Group 178">
+            <a:extLst>
+              <a:ext uri="{FF2B5EF4-FFF2-40B4-BE49-F238E27FC236}">
+                <a16:creationId xmlns:a16="http://schemas.microsoft.com/office/drawing/2014/main" id="{CE819985-A06D-49C3-9343-66DBF6A988B5}"/>
               </a:ext>
             </a:extLst>
           </p:cNvPr>
@@ -3361,10 +3361,10 @@
         </p:nvGrpSpPr>
         <p:grpSpPr>
           <a:xfrm>
-            <a:off x="1303831" y="-1981200"/>
-            <a:ext cx="6712410" cy="9631680"/>
-            <a:chOff x="1303830" y="-3093653"/>
-            <a:chExt cx="7058535" cy="10744133"/>
+            <a:off x="-2258503" y="955038"/>
+            <a:ext cx="15095885" cy="4978401"/>
+            <a:chOff x="-2258503" y="955038"/>
+            <a:chExt cx="15095885" cy="4978401"/>
           </a:xfrm>
         </p:grpSpPr>
         <p:sp>
@@ -3380,9 +3380,9 @@
             <p:nvPr/>
           </p:nvSpPr>
           <p:spPr>
-            <a:xfrm>
-              <a:off x="1303830" y="-2584429"/>
-              <a:ext cx="7058535" cy="9696640"/>
+            <a:xfrm rot="16200000">
+              <a:off x="2800239" y="-4103704"/>
+              <a:ext cx="4978401" cy="15095885"/>
             </a:xfrm>
             <a:prstGeom prst="roundRect">
               <a:avLst/>
@@ -3429,9 +3429,9 @@
             <p:nvPr/>
           </p:nvSpPr>
           <p:spPr>
-            <a:xfrm>
-              <a:off x="4660243" y="-3093653"/>
-              <a:ext cx="157322" cy="136631"/>
+            <a:xfrm rot="16200000">
+              <a:off x="-1995210" y="3372639"/>
+              <a:ext cx="149607" cy="122484"/>
             </a:xfrm>
             <a:prstGeom prst="ellipse">
               <a:avLst/>
@@ -3476,8 +3476,8 @@
           </p:nvSpPr>
           <p:spPr>
             <a:xfrm>
-              <a:off x="3676546" y="-2449517"/>
-              <a:ext cx="2124716" cy="449970"/>
+              <a:off x="-1494179" y="3035587"/>
+              <a:ext cx="2020528" cy="789772"/>
             </a:xfrm>
             <a:prstGeom prst="roundRect">
               <a:avLst/>
@@ -3546,15 +3546,16 @@
               </a:extLst>
             </p:cNvPr>
             <p:cNvCxnSpPr>
+              <a:cxnSpLocks/>
               <a:stCxn id="5" idx="4"/>
-              <a:endCxn id="10" idx="0"/>
+              <a:endCxn id="10" idx="1"/>
             </p:cNvCxnSpPr>
             <p:nvPr/>
           </p:nvCxnSpPr>
           <p:spPr>
-            <a:xfrm>
-              <a:off x="4738904" y="-2957023"/>
-              <a:ext cx="1" cy="507506"/>
+            <a:xfrm flipV="1">
+              <a:off x="-1859165" y="3430473"/>
+              <a:ext cx="364986" cy="3408"/>
             </a:xfrm>
             <a:prstGeom prst="straightConnector1">
               <a:avLst/>
@@ -3592,8 +3593,8 @@
           </p:nvSpPr>
           <p:spPr>
             <a:xfrm>
-              <a:off x="3676544" y="-821367"/>
-              <a:ext cx="2124716" cy="449970"/>
+              <a:off x="1603631" y="3038122"/>
+              <a:ext cx="971754" cy="787237"/>
             </a:xfrm>
             <a:prstGeom prst="roundRect">
               <a:avLst/>
@@ -3652,9 +3653,9 @@
             <p:nvPr/>
           </p:nvSpPr>
           <p:spPr>
-            <a:xfrm>
-              <a:off x="4571750" y="-1427865"/>
-              <a:ext cx="334307" cy="366003"/>
+            <a:xfrm rot="16200000">
+              <a:off x="811556" y="3262412"/>
+              <a:ext cx="317914" cy="328107"/>
             </a:xfrm>
             <a:prstGeom prst="diamond">
               <a:avLst/>
@@ -3696,15 +3697,15 @@
             </p:cNvPr>
             <p:cNvCxnSpPr>
               <a:cxnSpLocks/>
-              <a:stCxn id="10" idx="2"/>
+              <a:stCxn id="10" idx="3"/>
               <a:endCxn id="13" idx="0"/>
             </p:cNvCxnSpPr>
             <p:nvPr/>
           </p:nvCxnSpPr>
           <p:spPr>
-            <a:xfrm flipH="1">
-              <a:off x="4738903" y="-1999548"/>
-              <a:ext cx="1" cy="571683"/>
+            <a:xfrm flipV="1">
+              <a:off x="526349" y="3426466"/>
+              <a:ext cx="280111" cy="4007"/>
             </a:xfrm>
             <a:prstGeom prst="straightConnector1">
               <a:avLst/>
@@ -3745,9 +3746,9 @@
             <p:nvPr/>
           </p:nvCxnSpPr>
           <p:spPr>
-            <a:xfrm>
-              <a:off x="4906055" y="-1244863"/>
-              <a:ext cx="2051997" cy="0"/>
+            <a:xfrm flipV="1">
+              <a:off x="970514" y="1335447"/>
+              <a:ext cx="1" cy="1932062"/>
             </a:xfrm>
             <a:prstGeom prst="straightConnector1">
               <a:avLst/>
@@ -3785,8 +3786,8 @@
           </p:nvSpPr>
           <p:spPr>
             <a:xfrm>
-              <a:off x="3676542" y="674641"/>
-              <a:ext cx="2124716" cy="872046"/>
+              <a:off x="3711425" y="3043605"/>
+              <a:ext cx="2020528" cy="781754"/>
             </a:xfrm>
             <a:prstGeom prst="roundRect">
               <a:avLst/>
@@ -3845,9 +3846,9 @@
             <p:nvPr/>
           </p:nvGrpSpPr>
           <p:grpSpPr>
-            <a:xfrm>
-              <a:off x="6958053" y="-1322424"/>
-              <a:ext cx="178614" cy="155123"/>
+            <a:xfrm rot="16200000">
+              <a:off x="885587" y="1180989"/>
+              <a:ext cx="169855" cy="139061"/>
               <a:chOff x="5654040" y="2072640"/>
               <a:chExt cx="653171" cy="653171"/>
             </a:xfrm>
@@ -3960,8 +3961,8 @@
           </p:nvSpPr>
           <p:spPr>
             <a:xfrm>
-              <a:off x="4922641" y="-1619535"/>
-              <a:ext cx="2124716" cy="276999"/>
+              <a:off x="-562215" y="2023920"/>
+              <a:ext cx="2020528" cy="248318"/>
             </a:xfrm>
             <a:prstGeom prst="rect">
               <a:avLst/>
@@ -3995,8 +3996,8 @@
           </p:nvSpPr>
           <p:spPr>
             <a:xfrm>
-              <a:off x="2585109" y="-1566578"/>
-              <a:ext cx="2124716" cy="276999"/>
+              <a:off x="942317" y="4409165"/>
+              <a:ext cx="2020528" cy="248318"/>
             </a:xfrm>
             <a:prstGeom prst="rect">
               <a:avLst/>
@@ -4029,9 +4030,9 @@
             <p:nvPr/>
           </p:nvGrpSpPr>
           <p:grpSpPr>
-            <a:xfrm>
-              <a:off x="2296717" y="-1317859"/>
-              <a:ext cx="178614" cy="155123"/>
+            <a:xfrm rot="16200000">
+              <a:off x="889679" y="5613751"/>
+              <a:ext cx="169855" cy="139061"/>
               <a:chOff x="5654040" y="2072640"/>
               <a:chExt cx="653171" cy="653171"/>
             </a:xfrm>
@@ -4147,9 +4148,9 @@
             <p:nvPr/>
           </p:nvCxnSpPr>
           <p:spPr>
-            <a:xfrm flipH="1">
-              <a:off x="2475332" y="-1244863"/>
-              <a:ext cx="2096417" cy="4565"/>
+            <a:xfrm>
+              <a:off x="970514" y="3585423"/>
+              <a:ext cx="4093" cy="2012931"/>
             </a:xfrm>
             <a:prstGeom prst="straightConnector1">
               <a:avLst/>
@@ -4185,14 +4186,14 @@
             <p:cNvCxnSpPr>
               <a:cxnSpLocks/>
               <a:stCxn id="13" idx="2"/>
-              <a:endCxn id="25" idx="0"/>
+              <a:endCxn id="25" idx="1"/>
             </p:cNvCxnSpPr>
             <p:nvPr/>
           </p:nvCxnSpPr>
           <p:spPr>
-            <a:xfrm flipH="1">
-              <a:off x="4738902" y="-1061862"/>
-              <a:ext cx="1" cy="240494"/>
+            <a:xfrm>
+              <a:off x="1134567" y="3426466"/>
+              <a:ext cx="469064" cy="5275"/>
             </a:xfrm>
             <a:prstGeom prst="straightConnector1">
               <a:avLst/>
@@ -4229,9 +4230,9 @@
             <p:nvPr/>
           </p:nvGrpSpPr>
           <p:grpSpPr>
-            <a:xfrm>
-              <a:off x="6958053" y="105210"/>
-              <a:ext cx="178614" cy="155123"/>
+            <a:xfrm rot="16200000">
+              <a:off x="3006650" y="1180989"/>
+              <a:ext cx="169855" cy="139061"/>
               <a:chOff x="5654040" y="2072640"/>
               <a:chExt cx="653171" cy="653171"/>
             </a:xfrm>
@@ -4343,9 +4344,9 @@
             <p:nvPr/>
           </p:nvSpPr>
           <p:spPr>
-            <a:xfrm>
-              <a:off x="4571750" y="-230"/>
-              <a:ext cx="334307" cy="366003"/>
+            <a:xfrm rot="16200000">
+              <a:off x="2932621" y="3271967"/>
+              <a:ext cx="317914" cy="328107"/>
             </a:xfrm>
             <a:prstGeom prst="diamond">
               <a:avLst/>
@@ -4393,9 +4394,9 @@
             <p:nvPr/>
           </p:nvCxnSpPr>
           <p:spPr>
-            <a:xfrm>
-              <a:off x="4906055" y="182772"/>
-              <a:ext cx="2051997" cy="0"/>
+            <a:xfrm flipH="1" flipV="1">
+              <a:off x="3091578" y="1335447"/>
+              <a:ext cx="1" cy="1941617"/>
             </a:xfrm>
             <a:prstGeom prst="straightConnector1">
               <a:avLst/>
@@ -4430,15 +4431,15 @@
             </p:cNvPr>
             <p:cNvCxnSpPr>
               <a:cxnSpLocks/>
-              <a:stCxn id="25" idx="2"/>
+              <a:stCxn id="25" idx="3"/>
               <a:endCxn id="61" idx="0"/>
             </p:cNvCxnSpPr>
             <p:nvPr/>
           </p:nvCxnSpPr>
           <p:spPr>
             <a:xfrm>
-              <a:off x="4738903" y="-371398"/>
-              <a:ext cx="1" cy="371166"/>
+              <a:off x="2575385" y="3431741"/>
+              <a:ext cx="352140" cy="4280"/>
             </a:xfrm>
             <a:prstGeom prst="straightConnector1">
               <a:avLst/>
@@ -4476,8 +4477,8 @@
           </p:nvSpPr>
           <p:spPr>
             <a:xfrm>
-              <a:off x="5127362" y="-143713"/>
-              <a:ext cx="2124716" cy="276999"/>
+              <a:off x="1969475" y="1962553"/>
+              <a:ext cx="1280671" cy="276999"/>
             </a:xfrm>
             <a:prstGeom prst="rect">
               <a:avLst/>
@@ -4511,8 +4512,8 @@
           </p:nvSpPr>
           <p:spPr>
             <a:xfrm>
-              <a:off x="4738902" y="-1131883"/>
-              <a:ext cx="2124716" cy="276999"/>
+              <a:off x="1040041" y="3137025"/>
+              <a:ext cx="620767" cy="276999"/>
             </a:xfrm>
             <a:prstGeom prst="rect">
               <a:avLst/>
@@ -4544,14 +4545,14 @@
             <p:cNvCxnSpPr>
               <a:cxnSpLocks/>
               <a:stCxn id="61" idx="2"/>
-              <a:endCxn id="33" idx="0"/>
+              <a:endCxn id="33" idx="1"/>
             </p:cNvCxnSpPr>
             <p:nvPr/>
           </p:nvCxnSpPr>
           <p:spPr>
-            <a:xfrm flipH="1">
-              <a:off x="4738901" y="365774"/>
-              <a:ext cx="3" cy="308867"/>
+            <a:xfrm flipV="1">
+              <a:off x="3255632" y="3434482"/>
+              <a:ext cx="455793" cy="1539"/>
             </a:xfrm>
             <a:prstGeom prst="straightConnector1">
               <a:avLst/>
@@ -4589,8 +4590,8 @@
           </p:nvSpPr>
           <p:spPr>
             <a:xfrm>
-              <a:off x="4833337" y="284881"/>
-              <a:ext cx="2124716" cy="276999"/>
+              <a:off x="3190092" y="3128062"/>
+              <a:ext cx="555409" cy="276999"/>
             </a:xfrm>
             <a:prstGeom prst="rect">
               <a:avLst/>
@@ -4623,9 +4624,9 @@
             <p:nvPr/>
           </p:nvSpPr>
           <p:spPr>
-            <a:xfrm>
-              <a:off x="4571750" y="1790512"/>
-              <a:ext cx="334307" cy="366003"/>
+            <a:xfrm rot="16200000">
+              <a:off x="6083470" y="3270429"/>
+              <a:ext cx="317914" cy="328107"/>
             </a:xfrm>
             <a:prstGeom prst="diamond">
               <a:avLst/>
@@ -4667,15 +4668,15 @@
             </p:cNvPr>
             <p:cNvCxnSpPr>
               <a:cxnSpLocks/>
-              <a:stCxn id="33" idx="2"/>
+              <a:stCxn id="33" idx="3"/>
               <a:endCxn id="79" idx="0"/>
             </p:cNvCxnSpPr>
             <p:nvPr/>
           </p:nvCxnSpPr>
           <p:spPr>
             <a:xfrm>
-              <a:off x="4738901" y="1546687"/>
-              <a:ext cx="3" cy="243826"/>
+              <a:off x="5731953" y="3434482"/>
+              <a:ext cx="346421" cy="1"/>
             </a:xfrm>
             <a:prstGeom prst="straightConnector1">
               <a:avLst/>
@@ -4712,9 +4713,9 @@
             <p:nvPr/>
           </p:nvGrpSpPr>
           <p:grpSpPr>
-            <a:xfrm>
-              <a:off x="6958053" y="1895953"/>
-              <a:ext cx="178614" cy="155123"/>
+            <a:xfrm rot="16200000">
+              <a:off x="6152013" y="1180989"/>
+              <a:ext cx="169855" cy="139061"/>
               <a:chOff x="5654040" y="2072640"/>
               <a:chExt cx="653171" cy="653171"/>
             </a:xfrm>
@@ -4830,9 +4831,9 @@
             <p:nvPr/>
           </p:nvCxnSpPr>
           <p:spPr>
-            <a:xfrm>
-              <a:off x="4906055" y="1973515"/>
-              <a:ext cx="2051997" cy="0"/>
+            <a:xfrm flipH="1" flipV="1">
+              <a:off x="6236941" y="1335447"/>
+              <a:ext cx="5487" cy="1940079"/>
             </a:xfrm>
             <a:prstGeom prst="straightConnector1">
               <a:avLst/>
@@ -4870,8 +4871,8 @@
           </p:nvSpPr>
           <p:spPr>
             <a:xfrm>
-              <a:off x="5127362" y="1647030"/>
-              <a:ext cx="2124716" cy="276999"/>
+              <a:off x="4933647" y="1901532"/>
+              <a:ext cx="1369438" cy="276999"/>
             </a:xfrm>
             <a:prstGeom prst="rect">
               <a:avLst/>
@@ -4905,8 +4906,8 @@
           </p:nvSpPr>
           <p:spPr>
             <a:xfrm>
-              <a:off x="3676543" y="2479472"/>
-              <a:ext cx="2124716" cy="872046"/>
+              <a:off x="6954336" y="3035588"/>
+              <a:ext cx="990686" cy="781754"/>
             </a:xfrm>
             <a:prstGeom prst="roundRect">
               <a:avLst/>
@@ -4964,14 +4965,14 @@
             <p:cNvCxnSpPr>
               <a:cxnSpLocks/>
               <a:stCxn id="79" idx="2"/>
-              <a:endCxn id="94" idx="0"/>
+              <a:endCxn id="94" idx="1"/>
             </p:cNvCxnSpPr>
             <p:nvPr/>
           </p:nvCxnSpPr>
           <p:spPr>
-            <a:xfrm flipH="1">
-              <a:off x="4738902" y="2156516"/>
-              <a:ext cx="2" cy="322956"/>
+            <a:xfrm flipV="1">
+              <a:off x="6406481" y="3426465"/>
+              <a:ext cx="547855" cy="8018"/>
             </a:xfrm>
             <a:prstGeom prst="straightConnector1">
               <a:avLst/>
@@ -5009,8 +5010,8 @@
           </p:nvSpPr>
           <p:spPr>
             <a:xfrm>
-              <a:off x="4804021" y="2138598"/>
-              <a:ext cx="700059" cy="276999"/>
+              <a:off x="6309249" y="3108326"/>
+              <a:ext cx="665731" cy="248318"/>
             </a:xfrm>
             <a:prstGeom prst="rect">
               <a:avLst/>
@@ -5044,8 +5045,8 @@
           </p:nvSpPr>
           <p:spPr>
             <a:xfrm>
-              <a:off x="3676542" y="3820868"/>
-              <a:ext cx="2124716" cy="872046"/>
+              <a:off x="8347792" y="3035588"/>
+              <a:ext cx="1218325" cy="781754"/>
             </a:xfrm>
             <a:prstGeom prst="roundRect">
               <a:avLst/>
@@ -5102,15 +5103,15 @@
             </p:cNvPr>
             <p:cNvCxnSpPr>
               <a:cxnSpLocks/>
-              <a:stCxn id="94" idx="2"/>
-              <a:endCxn id="99" idx="0"/>
+              <a:stCxn id="94" idx="3"/>
+              <a:endCxn id="99" idx="1"/>
             </p:cNvCxnSpPr>
             <p:nvPr/>
           </p:nvCxnSpPr>
           <p:spPr>
-            <a:xfrm flipH="1">
-              <a:off x="4738901" y="3351518"/>
-              <a:ext cx="1" cy="469351"/>
+            <a:xfrm>
+              <a:off x="7945022" y="3426465"/>
+              <a:ext cx="402770" cy="0"/>
             </a:xfrm>
             <a:prstGeom prst="straightConnector1">
               <a:avLst/>
@@ -5147,9 +5148,9 @@
             <p:nvPr/>
           </p:nvSpPr>
           <p:spPr>
-            <a:xfrm>
-              <a:off x="4571750" y="5180566"/>
-              <a:ext cx="334307" cy="366003"/>
+            <a:xfrm rot="16200000">
+              <a:off x="9816031" y="3262412"/>
+              <a:ext cx="317914" cy="328107"/>
             </a:xfrm>
             <a:prstGeom prst="diamond">
               <a:avLst/>
@@ -5191,15 +5192,15 @@
             </p:cNvPr>
             <p:cNvCxnSpPr>
               <a:cxnSpLocks/>
-              <a:stCxn id="99" idx="2"/>
+              <a:stCxn id="99" idx="3"/>
               <a:endCxn id="103" idx="0"/>
             </p:cNvCxnSpPr>
             <p:nvPr/>
           </p:nvCxnSpPr>
           <p:spPr>
             <a:xfrm>
-              <a:off x="4738901" y="4692914"/>
-              <a:ext cx="3" cy="487652"/>
+              <a:off x="9566117" y="3426465"/>
+              <a:ext cx="244818" cy="1"/>
             </a:xfrm>
             <a:prstGeom prst="straightConnector1">
               <a:avLst/>
@@ -5240,9 +5241,9 @@
             <p:nvPr/>
           </p:nvCxnSpPr>
           <p:spPr>
-            <a:xfrm>
-              <a:off x="4906056" y="5363568"/>
-              <a:ext cx="2051997" cy="0"/>
+            <a:xfrm flipH="1" flipV="1">
+              <a:off x="9965752" y="1335448"/>
+              <a:ext cx="9237" cy="1932061"/>
             </a:xfrm>
             <a:prstGeom prst="straightConnector1">
               <a:avLst/>
@@ -5279,9 +5280,9 @@
             <p:nvPr/>
           </p:nvGrpSpPr>
           <p:grpSpPr>
-            <a:xfrm>
-              <a:off x="6958052" y="5286007"/>
-              <a:ext cx="178614" cy="155123"/>
+            <a:xfrm rot="16200000">
+              <a:off x="9880824" y="1180990"/>
+              <a:ext cx="169855" cy="139061"/>
               <a:chOff x="5654040" y="2072640"/>
               <a:chExt cx="653171" cy="653171"/>
             </a:xfrm>
@@ -5394,8 +5395,8 @@
           </p:nvSpPr>
           <p:spPr>
             <a:xfrm>
-              <a:off x="4982873" y="4998053"/>
-              <a:ext cx="2124716" cy="276999"/>
+              <a:off x="9206600" y="1985950"/>
+              <a:ext cx="932442" cy="276999"/>
             </a:xfrm>
             <a:prstGeom prst="rect">
               <a:avLst/>
@@ -5429,8 +5430,8 @@
           </p:nvSpPr>
           <p:spPr>
             <a:xfrm>
-              <a:off x="3681433" y="5886683"/>
-              <a:ext cx="2124716" cy="872046"/>
+              <a:off x="10619450" y="3038122"/>
+              <a:ext cx="1432934" cy="781754"/>
             </a:xfrm>
             <a:prstGeom prst="roundRect">
               <a:avLst/>
@@ -5501,14 +5502,14 @@
             <p:cNvCxnSpPr>
               <a:cxnSpLocks/>
               <a:stCxn id="103" idx="2"/>
-              <a:endCxn id="117" idx="0"/>
+              <a:endCxn id="117" idx="1"/>
             </p:cNvCxnSpPr>
             <p:nvPr/>
           </p:nvCxnSpPr>
           <p:spPr>
             <a:xfrm>
-              <a:off x="4738904" y="5546571"/>
-              <a:ext cx="4888" cy="340112"/>
+              <a:off x="10139042" y="3426466"/>
+              <a:ext cx="480408" cy="2533"/>
             </a:xfrm>
             <a:prstGeom prst="straightConnector1">
               <a:avLst/>
@@ -5546,8 +5547,8 @@
           </p:nvSpPr>
           <p:spPr>
             <a:xfrm>
-              <a:off x="4982870" y="5512007"/>
-              <a:ext cx="1880745" cy="276999"/>
+              <a:off x="10032802" y="3129008"/>
+              <a:ext cx="557678" cy="276999"/>
             </a:xfrm>
             <a:prstGeom prst="rect">
               <a:avLst/>
@@ -5580,9 +5581,9 @@
             <p:nvPr/>
           </p:nvGrpSpPr>
           <p:grpSpPr>
-            <a:xfrm>
-              <a:off x="4654484" y="7495357"/>
-              <a:ext cx="178614" cy="155123"/>
+            <a:xfrm rot="16200000">
+              <a:off x="12455777" y="3359469"/>
+              <a:ext cx="169855" cy="139061"/>
               <a:chOff x="5654040" y="2072640"/>
               <a:chExt cx="653171" cy="653171"/>
             </a:xfrm>
@@ -5692,15 +5693,15 @@
             </p:cNvPr>
             <p:cNvCxnSpPr>
               <a:cxnSpLocks/>
-              <a:stCxn id="117" idx="2"/>
+              <a:stCxn id="117" idx="3"/>
               <a:endCxn id="123" idx="0"/>
             </p:cNvCxnSpPr>
             <p:nvPr/>
           </p:nvCxnSpPr>
           <p:spPr>
             <a:xfrm>
-              <a:off x="4743792" y="6758729"/>
-              <a:ext cx="0" cy="736629"/>
+              <a:off x="12052384" y="3428999"/>
+              <a:ext cx="418790" cy="0"/>
             </a:xfrm>
             <a:prstGeom prst="straightConnector1">
               <a:avLst/>
@@ -5738,8 +5739,8 @@
           </p:nvSpPr>
           <p:spPr>
             <a:xfrm>
-              <a:off x="1550546" y="-2308756"/>
-              <a:ext cx="1794629" cy="276999"/>
+              <a:off x="-2003863" y="1211288"/>
+              <a:ext cx="1972717" cy="307777"/>
             </a:xfrm>
             <a:prstGeom prst="rect">
               <a:avLst/>
@@ -5753,10 +5754,10 @@
             <a:lstStyle/>
             <a:p>
               <a:r>
-                <a:rPr lang="en-SG" sz="1200" b="1" dirty="0" err="1"/>
+                <a:rPr lang="en-SG" sz="1400" b="1" dirty="0" err="1"/>
                 <a:t>StatisicCommandParser</a:t>
               </a:r>
-              <a:endParaRPr lang="en-SG" sz="1200" b="1" dirty="0"/>
+              <a:endParaRPr lang="en-SG" sz="1400" b="1" dirty="0"/>
             </a:p>
           </p:txBody>
         </p:sp>
